--- a/tutorial/T04/tut04.pptx
+++ b/tutorial/T04/tut04.pptx
@@ -141,12 +141,12 @@
   <pc:docChgLst>
     <pc:chgData name="LI, Jianqiang" userId="cff57bb5-6b3d-420f-8247-78e7019450b8" providerId="ADAL" clId="{D02C02F3-F859-45DD-AAFE-728E40A194AB}"/>
     <pc:docChg chg="undo redo custSel addSld delSld modSld sldOrd">
-      <pc:chgData name="LI, Jianqiang" userId="cff57bb5-6b3d-420f-8247-78e7019450b8" providerId="ADAL" clId="{D02C02F3-F859-45DD-AAFE-728E40A194AB}" dt="2024-09-23T10:21:47.537" v="2328" actId="20577"/>
+      <pc:chgData name="LI, Jianqiang" userId="cff57bb5-6b3d-420f-8247-78e7019450b8" providerId="ADAL" clId="{D02C02F3-F859-45DD-AAFE-728E40A194AB}" dt="2024-09-23T10:00:04.153" v="2261" actId="14100"/>
       <pc:docMkLst>
         <pc:docMk/>
       </pc:docMkLst>
       <pc:sldChg chg="modSp mod">
-        <pc:chgData name="LI, Jianqiang" userId="cff57bb5-6b3d-420f-8247-78e7019450b8" providerId="ADAL" clId="{D02C02F3-F859-45DD-AAFE-728E40A194AB}" dt="2024-09-23T10:21:47.537" v="2328" actId="20577"/>
+        <pc:chgData name="LI, Jianqiang" userId="cff57bb5-6b3d-420f-8247-78e7019450b8" providerId="ADAL" clId="{D02C02F3-F859-45DD-AAFE-728E40A194AB}" dt="2024-09-23T07:27:31.860" v="230" actId="20577"/>
         <pc:sldMkLst>
           <pc:docMk/>
           <pc:sldMk cId="2808513160" sldId="613"/>
@@ -160,7 +160,7 @@
           </ac:spMkLst>
         </pc:spChg>
         <pc:spChg chg="mod">
-          <ac:chgData name="LI, Jianqiang" userId="cff57bb5-6b3d-420f-8247-78e7019450b8" providerId="ADAL" clId="{D02C02F3-F859-45DD-AAFE-728E40A194AB}" dt="2024-09-23T10:21:47.537" v="2328" actId="20577"/>
+          <ac:chgData name="LI, Jianqiang" userId="cff57bb5-6b3d-420f-8247-78e7019450b8" providerId="ADAL" clId="{D02C02F3-F859-45DD-AAFE-728E40A194AB}" dt="2024-09-23T07:27:31.860" v="230" actId="20577"/>
           <ac:spMkLst>
             <pc:docMk/>
             <pc:sldMk cId="2808513160" sldId="613"/>
@@ -1355,7 +1355,7 @@
         </pc:cxnChg>
       </pc:sldChg>
       <pc:sldChg chg="addSp delSp modSp add mod">
-        <pc:chgData name="LI, Jianqiang" userId="cff57bb5-6b3d-420f-8247-78e7019450b8" providerId="ADAL" clId="{D02C02F3-F859-45DD-AAFE-728E40A194AB}" dt="2024-09-23T10:19:05.226" v="2322" actId="1076"/>
+        <pc:chgData name="LI, Jianqiang" userId="cff57bb5-6b3d-420f-8247-78e7019450b8" providerId="ADAL" clId="{D02C02F3-F859-45DD-AAFE-728E40A194AB}" dt="2024-09-23T10:00:04.153" v="2261" actId="14100"/>
         <pc:sldMkLst>
           <pc:docMk/>
           <pc:sldMk cId="3566911339" sldId="645"/>
@@ -1369,7 +1369,7 @@
           </ac:spMkLst>
         </pc:spChg>
         <pc:spChg chg="add mod">
-          <ac:chgData name="LI, Jianqiang" userId="cff57bb5-6b3d-420f-8247-78e7019450b8" providerId="ADAL" clId="{D02C02F3-F859-45DD-AAFE-728E40A194AB}" dt="2024-09-23T10:18:59.928" v="2321" actId="27636"/>
+          <ac:chgData name="LI, Jianqiang" userId="cff57bb5-6b3d-420f-8247-78e7019450b8" providerId="ADAL" clId="{D02C02F3-F859-45DD-AAFE-728E40A194AB}" dt="2024-09-23T10:00:01.143" v="2260" actId="14100"/>
           <ac:spMkLst>
             <pc:docMk/>
             <pc:sldMk cId="3566911339" sldId="645"/>
@@ -1393,7 +1393,7 @@
           </ac:spMkLst>
         </pc:spChg>
         <pc:spChg chg="add mod">
-          <ac:chgData name="LI, Jianqiang" userId="cff57bb5-6b3d-420f-8247-78e7019450b8" providerId="ADAL" clId="{D02C02F3-F859-45DD-AAFE-728E40A194AB}" dt="2024-09-23T10:19:05.226" v="2322" actId="1076"/>
+          <ac:chgData name="LI, Jianqiang" userId="cff57bb5-6b3d-420f-8247-78e7019450b8" providerId="ADAL" clId="{D02C02F3-F859-45DD-AAFE-728E40A194AB}" dt="2024-09-23T10:00:04.153" v="2261" actId="14100"/>
           <ac:spMkLst>
             <pc:docMk/>
             <pc:sldMk cId="3566911339" sldId="645"/>
@@ -1552,7 +1552,7 @@
           <a:p>
             <a:fld id="{90751E9F-A845-4914-A3CC-CC345012599B}" type="datetimeFigureOut">
               <a:rPr lang="en-US" smtClean="0"/>
-              <a:t>9/24/2024</a:t>
+              <a:t>9/26/2024</a:t>
             </a:fld>
             <a:endParaRPr lang="en-US"/>
           </a:p>
@@ -3759,7 +3759,7 @@
           <a:p>
             <a:fld id="{4110DD41-9B81-A544-8498-92133950A0E4}" type="datetime1">
               <a:rPr lang="en-US" smtClean="0"/>
-              <a:t>9/24/2024</a:t>
+              <a:t>9/26/2024</a:t>
             </a:fld>
             <a:endParaRPr lang="en-US"/>
           </a:p>
@@ -5201,7 +5201,7 @@
           </a:ln>
           <a:extLst>
             <a:ext uri="{C572A759-6A51-4108-AA02-DFA0A04FC94B}">
-              <ma14:wrappingTextBoxFlag xmlns:m="http://schemas.openxmlformats.org/officeDocument/2006/math" xmlns:a14="http://schemas.microsoft.com/office/drawing/2010/main" xmlns:ma14="http://schemas.microsoft.com/office/mac/drawingml/2011/main" xmlns="" val="1"/>
+              <ma14:wrappingTextBoxFlag xmlns="" xmlns:ma14="http://schemas.microsoft.com/office/mac/drawingml/2011/main" xmlns:a14="http://schemas.microsoft.com/office/drawing/2010/main" xmlns:m="http://schemas.openxmlformats.org/officeDocument/2006/math" val="1"/>
             </a:ext>
           </a:extLst>
         </p:spPr>
@@ -5240,7 +5240,7 @@
           </a:ln>
           <a:extLst>
             <a:ext uri="{C572A759-6A51-4108-AA02-DFA0A04FC94B}">
-              <ma14:wrappingTextBoxFlag xmlns:m="http://schemas.openxmlformats.org/officeDocument/2006/math" xmlns:a14="http://schemas.microsoft.com/office/drawing/2010/main" xmlns:ma14="http://schemas.microsoft.com/office/mac/drawingml/2011/main" xmlns="" val="1"/>
+              <ma14:wrappingTextBoxFlag xmlns="" xmlns:ma14="http://schemas.microsoft.com/office/mac/drawingml/2011/main" xmlns:a14="http://schemas.microsoft.com/office/drawing/2010/main" xmlns:m="http://schemas.openxmlformats.org/officeDocument/2006/math" val="1"/>
             </a:ext>
           </a:extLst>
         </p:spPr>
@@ -6244,7 +6244,7 @@
               <a:defRPr/>
             </a:pPr>
             <a:r>
-              <a:rPr lang="en-US" sz="3300" b="1" kern="0">
+              <a:rPr lang="en-US" sz="3300" b="1" kern="0" dirty="0">
                 <a:solidFill>
                   <a:srgbClr val="FFFFFF">
                     <a:lumMod val="95000"/>
@@ -6254,20 +6254,7 @@
                 <a:cs typeface="Helvetica"/>
                 <a:sym typeface="Helvetica"/>
               </a:rPr>
-              <a:t>Mutex Lock </a:t>
-            </a:r>
-            <a:r>
-              <a:rPr lang="en-US" sz="3300" b="1" kern="0" dirty="0">
-                <a:solidFill>
-                  <a:srgbClr val="FFFFFF">
-                    <a:lumMod val="95000"/>
-                  </a:srgbClr>
-                </a:solidFill>
-                <a:latin typeface="Gill Sans MT" panose="020B0502020104020203" pitchFamily="34" charset="0"/>
-                <a:cs typeface="Helvetica"/>
-                <a:sym typeface="Helvetica"/>
-              </a:rPr>
-              <a:t>Implementation via </a:t>
+              <a:t>Lock Implementation via </a:t>
             </a:r>
             <a:r>
               <a:rPr lang="en-US" sz="3300" b="1" kern="0" dirty="0" err="1">
@@ -14956,8 +14943,8 @@
         </p:nvSpPr>
         <p:spPr>
           <a:xfrm>
-            <a:off x="844551" y="1229565"/>
-            <a:ext cx="10593290" cy="3628681"/>
+            <a:off x="844551" y="1229566"/>
+            <a:ext cx="10593290" cy="2873307"/>
           </a:xfrm>
         </p:spPr>
         <p:txBody>
@@ -15004,53 +14991,30 @@
               <a:defRPr/>
             </a:pPr>
             <a:r>
-              <a:rPr lang="en-US" altLang="zh-CN" sz="2600" b="1" dirty="0">
+              <a:rPr lang="en-HK" altLang="zh-CN" sz="2600" b="1" dirty="0">
                 <a:cs typeface="Helvetica"/>
               </a:rPr>
-              <a:t>Non-blocking locks</a:t>
-            </a:r>
-          </a:p>
-          <a:p>
-            <a:pPr marL="606425" lvl="1" indent="-288925">
+              <a:t>Deadlock scenario: </a:t>
+            </a:r>
+            <a:r>
+              <a:rPr lang="en-US" altLang="zh-CN" sz="2600" dirty="0">
+                <a:cs typeface="Helvetica"/>
+              </a:rPr>
+              <a:t>A situation where two or more threads are unable to proceed because each is waiting for the other to release resources.</a:t>
+            </a:r>
+          </a:p>
+          <a:p>
+            <a:pPr marL="288925" indent="-288925">
               <a:buFont typeface="Wingdings" pitchFamily="2" charset="2"/>
               <a:buChar char="Ø"/>
               <a:defRPr/>
             </a:pPr>
             <a:r>
-              <a:rPr lang="en-US" altLang="zh-CN" sz="2000" dirty="0" err="1">
-                <a:hlinkClick r:id="rId4"/>
-              </a:rPr>
-              <a:t>pthread_mutex_trylock</a:t>
-            </a:r>
-            <a:r>
-              <a:rPr lang="en-US" altLang="zh-CN" sz="2000" dirty="0">
-                <a:hlinkClick r:id="rId4"/>
-              </a:rPr>
-              <a:t>() — Attempt to lock a mutex object - IBM Documentation</a:t>
-            </a:r>
-            <a:endParaRPr lang="en-US" altLang="zh-CN" sz="2000" dirty="0"/>
-          </a:p>
-          <a:p>
-            <a:pPr marL="606425" lvl="1" indent="-288925">
-              <a:buFont typeface="Wingdings" pitchFamily="2" charset="2"/>
-              <a:buChar char="Ø"/>
-              <a:defRPr/>
-            </a:pPr>
-            <a:r>
-              <a:rPr lang="en-US" altLang="zh-CN" sz="2000" dirty="0" err="1">
-                <a:hlinkClick r:id="rId5"/>
-              </a:rPr>
-              <a:t>pthread_mutex_timedlock</a:t>
-            </a:r>
-            <a:r>
-              <a:rPr lang="en-US" altLang="zh-CN" sz="2000" dirty="0">
-                <a:hlinkClick r:id="rId5"/>
-              </a:rPr>
-              <a:t> Subroutine - IBM Documentation</a:t>
-            </a:r>
-            <a:endParaRPr lang="en-US" altLang="zh-CN" sz="2600" b="1" dirty="0">
-              <a:cs typeface="Helvetica"/>
-            </a:endParaRPr>
+              <a:rPr lang="en-US" altLang="zh-CN" sz="2600" b="1" dirty="0">
+                <a:cs typeface="Helvetica"/>
+              </a:rPr>
+              <a:t>Non-blocking locks</a:t>
+            </a:r>
           </a:p>
         </p:txBody>
       </p:sp>
@@ -15068,7 +15032,7 @@
         </p:nvSpPr>
         <p:spPr>
           <a:xfrm>
-            <a:off x="1176213" y="4139968"/>
+            <a:off x="1176213" y="3728911"/>
             <a:ext cx="10261628" cy="923330"/>
           </a:xfrm>
           <a:prstGeom prst="rect">
@@ -16550,6 +16514,117 @@
               <a:latin typeface="Gill Sans MT" panose="020B0502020104020203" pitchFamily="34" charset="0"/>
               <a:cs typeface="Helvetica"/>
               <a:sym typeface="Helvetica"/>
+            </a:endParaRPr>
+          </a:p>
+        </p:txBody>
+      </p:sp>
+      <p:sp>
+        <p:nvSpPr>
+          <p:cNvPr id="5" name="文本框 4">
+            <a:extLst>
+              <a:ext uri="{FF2B5EF4-FFF2-40B4-BE49-F238E27FC236}">
+                <a16:creationId xmlns:a16="http://schemas.microsoft.com/office/drawing/2014/main" id="{9E0648CF-9146-B5A7-4766-635BCBF792F7}"/>
+              </a:ext>
+            </a:extLst>
+          </p:cNvPr>
+          <p:cNvSpPr txBox="1"/>
+          <p:nvPr/>
+        </p:nvSpPr>
+        <p:spPr>
+          <a:xfrm>
+            <a:off x="5233503" y="2530550"/>
+            <a:ext cx="5396770" cy="645041"/>
+          </a:xfrm>
+          <a:prstGeom prst="rect">
+            <a:avLst/>
+          </a:prstGeom>
+          <a:solidFill>
+            <a:schemeClr val="tx2">
+              <a:lumMod val="20000"/>
+              <a:lumOff val="80000"/>
+            </a:schemeClr>
+          </a:solidFill>
+          <a:ln w="12700" cap="flat">
+            <a:solidFill>
+              <a:schemeClr val="tx1"/>
+            </a:solidFill>
+            <a:miter lim="400000"/>
+          </a:ln>
+          <a:effectLst/>
+          <a:sp3d/>
+        </p:spPr>
+        <p:style>
+          <a:lnRef idx="0">
+            <a:scrgbClr r="0" g="0" b="0"/>
+          </a:lnRef>
+          <a:fillRef idx="0">
+            <a:scrgbClr r="0" g="0" b="0"/>
+          </a:fillRef>
+          <a:effectRef idx="0">
+            <a:scrgbClr r="0" g="0" b="0"/>
+          </a:effectRef>
+          <a:fontRef idx="none"/>
+        </p:style>
+        <p:txBody>
+          <a:bodyPr wrap="square">
+            <a:spAutoFit/>
+          </a:bodyPr>
+          <a:lstStyle/>
+          <a:p>
+            <a:pPr algn="l"/>
+            <a:r>
+              <a:rPr lang="en-US" altLang="zh-CN" dirty="0">
+                <a:solidFill>
+                  <a:srgbClr val="202020"/>
+                </a:solidFill>
+                <a:latin typeface="Gill Sans MT" panose="020B0502020104020203" pitchFamily="34" charset="0"/>
+                <a:cs typeface="Helvetica"/>
+                <a:sym typeface="Helvetica"/>
+              </a:rPr>
+              <a:t>Example compile command:</a:t>
+            </a:r>
+            <a:br>
+              <a:rPr lang="en-US" altLang="zh-CN" dirty="0">
+                <a:solidFill>
+                  <a:srgbClr val="202020"/>
+                </a:solidFill>
+                <a:latin typeface="Gill Sans MT" panose="020B0502020104020203" pitchFamily="34" charset="0"/>
+                <a:cs typeface="Helvetica"/>
+                <a:sym typeface="Helvetica"/>
+              </a:rPr>
+            </a:br>
+            <a:r>
+              <a:rPr lang="en-US" altLang="zh-CN" dirty="0" err="1">
+                <a:solidFill>
+                  <a:srgbClr val="5C5C5C"/>
+                </a:solidFill>
+                <a:latin typeface="Consolas" panose="020B0609020204030204" pitchFamily="49" charset="0"/>
+              </a:rPr>
+              <a:t>gcc</a:t>
+            </a:r>
+            <a:r>
+              <a:rPr lang="en-US" altLang="zh-CN" dirty="0">
+                <a:solidFill>
+                  <a:srgbClr val="5C5C5C"/>
+                </a:solidFill>
+                <a:latin typeface="Consolas" panose="020B0609020204030204" pitchFamily="49" charset="0"/>
+              </a:rPr>
+              <a:t> -o example1 example1.c –</a:t>
+            </a:r>
+            <a:r>
+              <a:rPr lang="en-US" altLang="zh-CN" dirty="0" err="1">
+                <a:solidFill>
+                  <a:srgbClr val="5C5C5C"/>
+                </a:solidFill>
+                <a:latin typeface="Consolas" panose="020B0609020204030204" pitchFamily="49" charset="0"/>
+              </a:rPr>
+              <a:t>lpthread</a:t>
+            </a:r>
+            <a:endParaRPr lang="en-US" altLang="zh-CN" dirty="0">
+              <a:solidFill>
+                <a:srgbClr val="5C5C5C"/>
+              </a:solidFill>
+              <a:latin typeface="Consolas" panose="020B0609020204030204" pitchFamily="49" charset="0"/>
             </a:endParaRPr>
           </a:p>
         </p:txBody>
